--- a/materials/slides/ch04.pptx
+++ b/materials/slides/ch04.pptx
@@ -5219,7 +5219,6 @@
           <a:ln>
             <a:noFill/>
           </a:ln>
-          <a:extLst/>
         </p:spPr>
         <p:txBody>
           <a:bodyPr>
@@ -5439,7 +5438,6 @@
           <a:ln>
             <a:noFill/>
           </a:ln>
-          <a:extLst/>
         </p:spPr>
         <p:txBody>
           <a:bodyPr wrap="none" anchor="ctr"/>
@@ -5591,7 +5589,6 @@
           <a:ln>
             <a:noFill/>
           </a:ln>
-          <a:extLst/>
         </p:spPr>
         <p:txBody>
           <a:bodyPr wrap="none" anchor="ctr"/>
@@ -5739,7 +5736,6 @@
           <a:ln>
             <a:noFill/>
           </a:ln>
-          <a:extLst/>
         </p:spPr>
         <p:txBody>
           <a:bodyPr/>
@@ -7292,7 +7288,7 @@
               <a:pPr>
                 <a:defRPr/>
               </a:pPr>
-              <a:t>2018/3/28</a:t>
+              <a:t>2019/7/16</a:t>
             </a:fld>
             <a:endParaRPr lang="zh-CN" altLang="en-US"/>
           </a:p>
@@ -7611,7 +7607,7 @@
               <a:pPr>
                 <a:defRPr/>
               </a:pPr>
-              <a:t>2018/3/28</a:t>
+              <a:t>2019/7/16</a:t>
             </a:fld>
             <a:endParaRPr lang="zh-CN" altLang="en-US"/>
           </a:p>
@@ -13846,7 +13842,6 @@
             <a:noFill/>
           </a:ln>
           <a:effectLst/>
-          <a:extLst/>
         </p:spPr>
         <p:txBody>
           <a:bodyPr wrap="none" anchor="ctr"/>
@@ -14590,23 +14585,28 @@
           <a:lstStyle/>
           <a:p>
             <a:r>
-              <a:rPr lang="zh-CN" altLang="zh-CN"/>
+              <a:rPr lang="zh-CN" altLang="zh-CN" dirty="0"/>
               <a:t>面向对象的程序是与人类对事物的抽象理解密切相关。</a:t>
             </a:r>
-            <a:endParaRPr lang="en-US" altLang="zh-CN"/>
-          </a:p>
-          <a:p>
-            <a:r>
-              <a:rPr lang="zh-CN" altLang="zh-CN"/>
+            <a:endParaRPr lang="en-US" altLang="zh-CN" dirty="0"/>
+          </a:p>
+          <a:p>
+            <a:r>
+              <a:rPr lang="zh-CN" altLang="zh-CN" dirty="0"/>
               <a:t>举一个例子，虽然我们不知道精灵宝可梦这款游戏（又名口袋妖怪）的具体源码，但我们可以确定的是，它的程序是通过面向对象的思想编写的。我们将游戏中的每种精灵看作一个类，而具体的某只精灵就是其中一个类的一个实例对象。所以每种精灵的程序具有一定的独立性。</a:t>
             </a:r>
-            <a:endParaRPr lang="en-US" altLang="zh-CN"/>
-          </a:p>
-          <a:p>
-            <a:r>
-              <a:rPr lang="zh-CN" altLang="zh-CN"/>
+            <a:endParaRPr lang="en-US" altLang="zh-CN" dirty="0"/>
+          </a:p>
+          <a:p>
+            <a:r>
+              <a:rPr lang="zh-CN" altLang="zh-CN" dirty="0"/>
               <a:t>现在的程序和软件开发都是使用面向对象编程的，最重要的原因还是其良好的抽象性。但对于小型程序和算法来说，面向对象的程序一般会比面向过程的程序慢，所以我们编写程序需要掌握两种思想，发挥出它们的长处。</a:t>
             </a:r>
+            <a:r>
+              <a:rPr lang="en-US" altLang="zh-CN"/>
+              <a:t> </a:t>
+            </a:r>
+            <a:endParaRPr lang="zh-CN" altLang="zh-CN"/>
           </a:p>
         </p:txBody>
       </p:sp>

--- a/materials/slides/ch04.pptx
+++ b/materials/slides/ch04.pptx
@@ -5219,6 +5219,7 @@
           <a:ln>
             <a:noFill/>
           </a:ln>
+          <a:extLst/>
         </p:spPr>
         <p:txBody>
           <a:bodyPr>
@@ -5438,6 +5439,7 @@
           <a:ln>
             <a:noFill/>
           </a:ln>
+          <a:extLst/>
         </p:spPr>
         <p:txBody>
           <a:bodyPr wrap="none" anchor="ctr"/>
@@ -5589,6 +5591,7 @@
           <a:ln>
             <a:noFill/>
           </a:ln>
+          <a:extLst/>
         </p:spPr>
         <p:txBody>
           <a:bodyPr wrap="none" anchor="ctr"/>
@@ -5736,6 +5739,7 @@
           <a:ln>
             <a:noFill/>
           </a:ln>
+          <a:extLst/>
         </p:spPr>
         <p:txBody>
           <a:bodyPr/>
@@ -7288,7 +7292,7 @@
               <a:pPr>
                 <a:defRPr/>
               </a:pPr>
-              <a:t>2019/7/16</a:t>
+              <a:t>2018/3/28</a:t>
             </a:fld>
             <a:endParaRPr lang="zh-CN" altLang="en-US"/>
           </a:p>
@@ -7607,7 +7611,7 @@
               <a:pPr>
                 <a:defRPr/>
               </a:pPr>
-              <a:t>2019/7/16</a:t>
+              <a:t>2018/3/28</a:t>
             </a:fld>
             <a:endParaRPr lang="zh-CN" altLang="en-US"/>
           </a:p>
@@ -13842,6 +13846,7 @@
             <a:noFill/>
           </a:ln>
           <a:effectLst/>
+          <a:extLst/>
         </p:spPr>
         <p:txBody>
           <a:bodyPr wrap="none" anchor="ctr"/>
@@ -14585,28 +14590,23 @@
           <a:lstStyle/>
           <a:p>
             <a:r>
-              <a:rPr lang="zh-CN" altLang="zh-CN" dirty="0"/>
+              <a:rPr lang="zh-CN" altLang="zh-CN"/>
               <a:t>面向对象的程序是与人类对事物的抽象理解密切相关。</a:t>
             </a:r>
-            <a:endParaRPr lang="en-US" altLang="zh-CN" dirty="0"/>
-          </a:p>
-          <a:p>
-            <a:r>
-              <a:rPr lang="zh-CN" altLang="zh-CN" dirty="0"/>
+            <a:endParaRPr lang="en-US" altLang="zh-CN"/>
+          </a:p>
+          <a:p>
+            <a:r>
+              <a:rPr lang="zh-CN" altLang="zh-CN"/>
               <a:t>举一个例子，虽然我们不知道精灵宝可梦这款游戏（又名口袋妖怪）的具体源码，但我们可以确定的是，它的程序是通过面向对象的思想编写的。我们将游戏中的每种精灵看作一个类，而具体的某只精灵就是其中一个类的一个实例对象。所以每种精灵的程序具有一定的独立性。</a:t>
             </a:r>
-            <a:endParaRPr lang="en-US" altLang="zh-CN" dirty="0"/>
-          </a:p>
-          <a:p>
-            <a:r>
-              <a:rPr lang="zh-CN" altLang="zh-CN" dirty="0"/>
+            <a:endParaRPr lang="en-US" altLang="zh-CN"/>
+          </a:p>
+          <a:p>
+            <a:r>
+              <a:rPr lang="zh-CN" altLang="zh-CN"/>
               <a:t>现在的程序和软件开发都是使用面向对象编程的，最重要的原因还是其良好的抽象性。但对于小型程序和算法来说，面向对象的程序一般会比面向过程的程序慢，所以我们编写程序需要掌握两种思想，发挥出它们的长处。</a:t>
             </a:r>
-            <a:r>
-              <a:rPr lang="en-US" altLang="zh-CN"/>
-              <a:t> </a:t>
-            </a:r>
-            <a:endParaRPr lang="zh-CN" altLang="zh-CN"/>
           </a:p>
         </p:txBody>
       </p:sp>
